--- a/dfcu_payment_gateway_presentation.pptx
+++ b/dfcu_payment_gateway_presentation.pptx
@@ -5,7 +5,7 @@
     <p:sldMasterId id="2147483648" r:id="rId1"/>
   </p:sldMasterIdLst>
   <p:notesMasterIdLst>
-    <p:notesMasterId r:id="rId13"/>
+    <p:notesMasterId r:id="rId14"/>
   </p:notesMasterIdLst>
   <p:sldIdLst>
     <p:sldId id="256" r:id="rId2"/>
@@ -18,7 +18,8 @@
     <p:sldId id="265" r:id="rId9"/>
     <p:sldId id="266" r:id="rId10"/>
     <p:sldId id="267" r:id="rId11"/>
-    <p:sldId id="268" r:id="rId12"/>
+    <p:sldId id="269" r:id="rId12"/>
+    <p:sldId id="268" r:id="rId13"/>
   </p:sldIdLst>
   <p:sldSz cx="9144000" cy="6858000" type="screen4x3"/>
   <p:notesSz cx="6858000" cy="9144000"/>
@@ -3718,6 +3719,194 @@
       </p:grpSpPr>
       <p:sp>
         <p:nvSpPr>
+          <p:cNvPr id="2" name="Title 1">
+            <a:extLst>
+              <a:ext uri="{FF2B5EF4-FFF2-40B4-BE49-F238E27FC236}">
+                <a16:creationId xmlns:a16="http://schemas.microsoft.com/office/drawing/2014/main" id="{6D2FB2DA-C3EB-5FDB-C4D7-60E09A0BAAFD}"/>
+              </a:ext>
+            </a:extLst>
+          </p:cNvPr>
+          <p:cNvSpPr>
+            <a:spLocks noGrp="1"/>
+          </p:cNvSpPr>
+          <p:nvPr>
+            <p:ph type="title"/>
+          </p:nvPr>
+        </p:nvSpPr>
+        <p:spPr/>
+        <p:txBody>
+          <a:bodyPr>
+            <a:normAutofit/>
+          </a:bodyPr>
+          <a:lstStyle/>
+          <a:p>
+            <a:r>
+              <a:rPr lang="en-US" dirty="0"/>
+              <a:t>Resources</a:t>
+            </a:r>
+          </a:p>
+        </p:txBody>
+      </p:sp>
+      <p:sp>
+        <p:nvSpPr>
+          <p:cNvPr id="3" name="Content Placeholder 2">
+            <a:extLst>
+              <a:ext uri="{FF2B5EF4-FFF2-40B4-BE49-F238E27FC236}">
+                <a16:creationId xmlns:a16="http://schemas.microsoft.com/office/drawing/2014/main" id="{633CC587-017A-C6E2-56EF-9F67BFD28AB6}"/>
+              </a:ext>
+            </a:extLst>
+          </p:cNvPr>
+          <p:cNvSpPr>
+            <a:spLocks noGrp="1"/>
+          </p:cNvSpPr>
+          <p:nvPr>
+            <p:ph idx="1"/>
+          </p:nvPr>
+        </p:nvSpPr>
+        <p:spPr/>
+        <p:txBody>
+          <a:bodyPr>
+            <a:normAutofit fontScale="92500"/>
+          </a:bodyPr>
+          <a:lstStyle/>
+          <a:p>
+            <a:r>
+              <a:rPr lang="en-US" dirty="0" err="1"/>
+              <a:t>Github</a:t>
+            </a:r>
+            <a:r>
+              <a:rPr lang="en-US" dirty="0"/>
+              <a:t>: </a:t>
+            </a:r>
+            <a:r>
+              <a:rPr lang="en-US" dirty="0">
+                <a:hlinkClick r:id="rId2"/>
+              </a:rPr>
+              <a:t>https://github.com/keithtumusiime/dfcu-Preliminary-Interview-Project</a:t>
+            </a:r>
+            <a:endParaRPr lang="en-US" dirty="0"/>
+          </a:p>
+          <a:p>
+            <a:r>
+              <a:rPr lang="en-US" dirty="0"/>
+              <a:t>API documentation: </a:t>
+            </a:r>
+            <a:r>
+              <a:rPr lang="en-US" dirty="0">
+                <a:hlinkClick r:id="rId3"/>
+              </a:rPr>
+              <a:t>https://documenter.getpostman.com/view/15114051/2sB2j98p3F</a:t>
+            </a:r>
+            <a:endParaRPr lang="en-US" dirty="0"/>
+          </a:p>
+          <a:p>
+            <a:r>
+              <a:rPr lang="en-US" dirty="0"/>
+              <a:t>Deployment Guide: </a:t>
+            </a:r>
+            <a:r>
+              <a:rPr lang="en-US" dirty="0">
+                <a:hlinkClick r:id="rId4"/>
+              </a:rPr>
+              <a:t>https://github.com/keithtumusiime/dfcu-Preliminary-Interview-Project/blob/main/README.md</a:t>
+            </a:r>
+            <a:endParaRPr lang="en-US" dirty="0"/>
+          </a:p>
+          <a:p>
+            <a:endParaRPr lang="en-US" dirty="0"/>
+          </a:p>
+        </p:txBody>
+      </p:sp>
+      <p:sp>
+        <p:nvSpPr>
+          <p:cNvPr id="4" name="Date Placeholder 3">
+            <a:extLst>
+              <a:ext uri="{FF2B5EF4-FFF2-40B4-BE49-F238E27FC236}">
+                <a16:creationId xmlns:a16="http://schemas.microsoft.com/office/drawing/2014/main" id="{8520AABB-8C34-B6EB-E4C3-78C6311DA51B}"/>
+              </a:ext>
+            </a:extLst>
+          </p:cNvPr>
+          <p:cNvSpPr>
+            <a:spLocks noGrp="1"/>
+          </p:cNvSpPr>
+          <p:nvPr>
+            <p:ph type="dt" sz="half" idx="10"/>
+          </p:nvPr>
+        </p:nvSpPr>
+        <p:spPr/>
+        <p:txBody>
+          <a:bodyPr/>
+          <a:lstStyle/>
+          <a:p>
+            <a:fld id="{95B41220-8695-4733-8B67-903D3E9C901D}" type="datetime1">
+              <a:rPr lang="en-US" smtClean="0"/>
+              <a:t>5/10/2025</a:t>
+            </a:fld>
+            <a:endParaRPr lang="en-US"/>
+          </a:p>
+        </p:txBody>
+      </p:sp>
+      <p:sp>
+        <p:nvSpPr>
+          <p:cNvPr id="5" name="Slide Number Placeholder 4">
+            <a:extLst>
+              <a:ext uri="{FF2B5EF4-FFF2-40B4-BE49-F238E27FC236}">
+                <a16:creationId xmlns:a16="http://schemas.microsoft.com/office/drawing/2014/main" id="{7E515FED-7CC0-F673-CCB8-A9BC063E1E13}"/>
+              </a:ext>
+            </a:extLst>
+          </p:cNvPr>
+          <p:cNvSpPr>
+            <a:spLocks noGrp="1"/>
+          </p:cNvSpPr>
+          <p:nvPr>
+            <p:ph type="sldNum" sz="quarter" idx="12"/>
+          </p:nvPr>
+        </p:nvSpPr>
+        <p:spPr/>
+        <p:txBody>
+          <a:bodyPr/>
+          <a:lstStyle/>
+          <a:p>
+            <a:fld id="{C1FF6DA9-008F-8B48-92A6-B652298478BF}" type="slidenum">
+              <a:rPr lang="en-US" smtClean="0"/>
+              <a:t>11</a:t>
+            </a:fld>
+            <a:endParaRPr lang="en-US"/>
+          </a:p>
+        </p:txBody>
+      </p:sp>
+    </p:spTree>
+    <p:extLst>
+      <p:ext uri="{BB962C8B-B14F-4D97-AF65-F5344CB8AC3E}">
+        <p14:creationId xmlns:p14="http://schemas.microsoft.com/office/powerpoint/2010/main" val="3795637419"/>
+      </p:ext>
+    </p:extLst>
+  </p:cSld>
+  <p:clrMapOvr>
+    <a:masterClrMapping/>
+  </p:clrMapOvr>
+</p:sld>
+</file>
+
+<file path=ppt/slides/slide12.xml><?xml version="1.0" encoding="utf-8"?>
+<p:sld xmlns:a="http://schemas.openxmlformats.org/drawingml/2006/main" xmlns:r="http://schemas.openxmlformats.org/officeDocument/2006/relationships" xmlns:p="http://schemas.openxmlformats.org/presentationml/2006/main">
+  <p:cSld>
+    <p:spTree>
+      <p:nvGrpSpPr>
+        <p:cNvPr id="1" name=""/>
+        <p:cNvGrpSpPr/>
+        <p:nvPr/>
+      </p:nvGrpSpPr>
+      <p:grpSpPr>
+        <a:xfrm>
+          <a:off x="0" y="0"/>
+          <a:ext cx="0" cy="0"/>
+          <a:chOff x="0" y="0"/>
+          <a:chExt cx="0" cy="0"/>
+        </a:xfrm>
+      </p:grpSpPr>
+      <p:sp>
+        <p:nvSpPr>
           <p:cNvPr id="2" name="Title 1"/>
           <p:cNvSpPr>
             <a:spLocks noGrp="1"/>
@@ -3810,7 +3999,7 @@
           <a:p>
             <a:fld id="{C1FF6DA9-008F-8B48-92A6-B652298478BF}" type="slidenum">
               <a:rPr lang="en-US" smtClean="0"/>
-              <a:t>11</a:t>
+              <a:t>12</a:t>
             </a:fld>
             <a:endParaRPr lang="en-US"/>
           </a:p>
